--- a/Owen Timothy Bio Card.pptx
+++ b/Owen Timothy Bio Card.pptx
@@ -296,7 +296,7 @@
           <a:p>
             <a:fld id="{B1EF7DEF-10F6-4E05-B63A-F80936B1DCBD}" type="datetimeFigureOut">
               <a:rPr lang="en-US" smtClean="0"/>
-              <a:t>6/11/2025</a:t>
+              <a:t>7/11/2025</a:t>
             </a:fld>
             <a:endParaRPr lang="en-US"/>
           </a:p>
@@ -494,7 +494,7 @@
           <a:p>
             <a:fld id="{B1EF7DEF-10F6-4E05-B63A-F80936B1DCBD}" type="datetimeFigureOut">
               <a:rPr lang="en-US" smtClean="0"/>
-              <a:t>6/11/2025</a:t>
+              <a:t>7/11/2025</a:t>
             </a:fld>
             <a:endParaRPr lang="en-US"/>
           </a:p>
@@ -702,7 +702,7 @@
           <a:p>
             <a:fld id="{B1EF7DEF-10F6-4E05-B63A-F80936B1DCBD}" type="datetimeFigureOut">
               <a:rPr lang="en-US" smtClean="0"/>
-              <a:t>6/11/2025</a:t>
+              <a:t>7/11/2025</a:t>
             </a:fld>
             <a:endParaRPr lang="en-US"/>
           </a:p>
@@ -900,7 +900,7 @@
           <a:p>
             <a:fld id="{B1EF7DEF-10F6-4E05-B63A-F80936B1DCBD}" type="datetimeFigureOut">
               <a:rPr lang="en-US" smtClean="0"/>
-              <a:t>6/11/2025</a:t>
+              <a:t>7/11/2025</a:t>
             </a:fld>
             <a:endParaRPr lang="en-US"/>
           </a:p>
@@ -1175,7 +1175,7 @@
           <a:p>
             <a:fld id="{B1EF7DEF-10F6-4E05-B63A-F80936B1DCBD}" type="datetimeFigureOut">
               <a:rPr lang="en-US" smtClean="0"/>
-              <a:t>6/11/2025</a:t>
+              <a:t>7/11/2025</a:t>
             </a:fld>
             <a:endParaRPr lang="en-US"/>
           </a:p>
@@ -1440,7 +1440,7 @@
           <a:p>
             <a:fld id="{B1EF7DEF-10F6-4E05-B63A-F80936B1DCBD}" type="datetimeFigureOut">
               <a:rPr lang="en-US" smtClean="0"/>
-              <a:t>6/11/2025</a:t>
+              <a:t>7/11/2025</a:t>
             </a:fld>
             <a:endParaRPr lang="en-US"/>
           </a:p>
@@ -1852,7 +1852,7 @@
           <a:p>
             <a:fld id="{B1EF7DEF-10F6-4E05-B63A-F80936B1DCBD}" type="datetimeFigureOut">
               <a:rPr lang="en-US" smtClean="0"/>
-              <a:t>6/11/2025</a:t>
+              <a:t>7/11/2025</a:t>
             </a:fld>
             <a:endParaRPr lang="en-US"/>
           </a:p>
@@ -1993,7 +1993,7 @@
           <a:p>
             <a:fld id="{B1EF7DEF-10F6-4E05-B63A-F80936B1DCBD}" type="datetimeFigureOut">
               <a:rPr lang="en-US" smtClean="0"/>
-              <a:t>6/11/2025</a:t>
+              <a:t>7/11/2025</a:t>
             </a:fld>
             <a:endParaRPr lang="en-US"/>
           </a:p>
@@ -2106,7 +2106,7 @@
           <a:p>
             <a:fld id="{B1EF7DEF-10F6-4E05-B63A-F80936B1DCBD}" type="datetimeFigureOut">
               <a:rPr lang="en-US" smtClean="0"/>
-              <a:t>6/11/2025</a:t>
+              <a:t>7/11/2025</a:t>
             </a:fld>
             <a:endParaRPr lang="en-US"/>
           </a:p>
@@ -2417,7 +2417,7 @@
           <a:p>
             <a:fld id="{B1EF7DEF-10F6-4E05-B63A-F80936B1DCBD}" type="datetimeFigureOut">
               <a:rPr lang="en-US" smtClean="0"/>
-              <a:t>6/11/2025</a:t>
+              <a:t>7/11/2025</a:t>
             </a:fld>
             <a:endParaRPr lang="en-US"/>
           </a:p>
@@ -2705,7 +2705,7 @@
           <a:p>
             <a:fld id="{B1EF7DEF-10F6-4E05-B63A-F80936B1DCBD}" type="datetimeFigureOut">
               <a:rPr lang="en-US" smtClean="0"/>
-              <a:t>6/11/2025</a:t>
+              <a:t>7/11/2025</a:t>
             </a:fld>
             <a:endParaRPr lang="en-US"/>
           </a:p>
@@ -2946,7 +2946,7 @@
           <a:p>
             <a:fld id="{B1EF7DEF-10F6-4E05-B63A-F80936B1DCBD}" type="datetimeFigureOut">
               <a:rPr lang="en-US" smtClean="0"/>
-              <a:t>6/11/2025</a:t>
+              <a:t>7/11/2025</a:t>
             </a:fld>
             <a:endParaRPr lang="en-US"/>
           </a:p>
@@ -4219,7 +4219,7 @@
         <p:spPr>
           <a:xfrm>
             <a:off x="3041720" y="5753712"/>
-            <a:ext cx="2505057" cy="954107"/>
+            <a:ext cx="2505057" cy="1384995"/>
           </a:xfrm>
           <a:prstGeom prst="rect">
             <a:avLst/>
@@ -4237,9 +4237,37 @@
               <a:buChar char="•"/>
             </a:pPr>
             <a:r>
-              <a:rPr lang="en-US" sz="1400" dirty="0"/>
+              <a:rPr lang="en-US" sz="1400" dirty="0">
+                <a:hlinkClick r:id="rId6">
+                  <a:extLst>
+                    <a:ext uri="{A12FA001-AC4F-418D-AE19-62706E023703}">
+                      <ahyp:hlinkClr xmlns:ahyp="http://schemas.microsoft.com/office/drawing/2018/hyperlinkcolor" val="tx"/>
+                    </a:ext>
+                  </a:extLst>
+                </a:hlinkClick>
+              </a:rPr>
               <a:t>Foundational C# with Microsoft</a:t>
             </a:r>
+            <a:endParaRPr lang="en-US" sz="1400" dirty="0"/>
+          </a:p>
+          <a:p>
+            <a:pPr marL="117475" indent="-117475">
+              <a:buFont typeface="Arial" panose="020B0604020202020204" pitchFamily="34" charset="0"/>
+              <a:buChar char="•"/>
+            </a:pPr>
+            <a:r>
+              <a:rPr lang="en-US" sz="1400" dirty="0">
+                <a:hlinkClick r:id="rId7">
+                  <a:extLst>
+                    <a:ext uri="{A12FA001-AC4F-418D-AE19-62706E023703}">
+                      <ahyp:hlinkClr xmlns:ahyp="http://schemas.microsoft.com/office/drawing/2018/hyperlinkcolor" val="tx"/>
+                    </a:ext>
+                  </a:extLst>
+                </a:hlinkClick>
+              </a:rPr>
+              <a:t>PCEP™ – Certified Entry-Level Python Programmer</a:t>
+            </a:r>
+            <a:endParaRPr lang="en-US" sz="1400" dirty="0"/>
           </a:p>
           <a:p>
             <a:endParaRPr lang="en-US" sz="1400" dirty="0"/>
@@ -4336,7 +4364,7 @@
             <p:nvPr/>
           </p:nvPicPr>
           <p:blipFill>
-            <a:blip r:embed="rId6">
+            <a:blip r:embed="rId8">
               <a:extLst>
                 <a:ext uri="{28A0092B-C50C-407E-A947-70E740481C1C}">
                   <a14:useLocalDpi xmlns:a14="http://schemas.microsoft.com/office/drawing/2010/main" val="0"/>
@@ -4384,7 +4412,7 @@
           <p:nvPr/>
         </p:nvPicPr>
         <p:blipFill>
-          <a:blip r:embed="rId7">
+          <a:blip r:embed="rId9">
             <a:extLst>
               <a:ext uri="{28A0092B-C50C-407E-A947-70E740481C1C}">
                 <a14:useLocalDpi xmlns:a14="http://schemas.microsoft.com/office/drawing/2010/main" val="0"/>
@@ -4621,7 +4649,7 @@
             <p:nvPr/>
           </p:nvPicPr>
           <p:blipFill>
-            <a:blip r:embed="rId8">
+            <a:blip r:embed="rId10">
               <a:extLst>
                 <a:ext uri="{28A0092B-C50C-407E-A947-70E740481C1C}">
                   <a14:useLocalDpi xmlns:a14="http://schemas.microsoft.com/office/drawing/2010/main" val="0"/>
@@ -4669,7 +4697,7 @@
           <p:nvPr/>
         </p:nvPicPr>
         <p:blipFill>
-          <a:blip r:embed="rId9">
+          <a:blip r:embed="rId11">
             <a:extLst>
               <a:ext uri="{28A0092B-C50C-407E-A947-70E740481C1C}">
                 <a14:useLocalDpi xmlns:a14="http://schemas.microsoft.com/office/drawing/2010/main" val="0"/>
@@ -4777,7 +4805,7 @@
             <p:nvPr/>
           </p:nvPicPr>
           <p:blipFill>
-            <a:blip r:embed="rId10">
+            <a:blip r:embed="rId12">
               <a:extLst>
                 <a:ext uri="{28A0092B-C50C-407E-A947-70E740481C1C}">
                   <a14:useLocalDpi xmlns:a14="http://schemas.microsoft.com/office/drawing/2010/main" val="0"/>
@@ -4844,7 +4872,7 @@
             </a:pPr>
             <a:r>
               <a:rPr lang="en-US" sz="1400" dirty="0">
-                <a:hlinkClick r:id="rId11">
+                <a:hlinkClick r:id="rId13">
                   <a:extLst>
                     <a:ext uri="{A12FA001-AC4F-418D-AE19-62706E023703}">
                       <ahyp:hlinkClr xmlns:ahyp="http://schemas.microsoft.com/office/drawing/2018/hyperlinkcolor" val="tx"/>
@@ -4940,7 +4968,7 @@
             </a:pPr>
             <a:r>
               <a:rPr lang="en-US" sz="1400" dirty="0">
-                <a:hlinkClick r:id="rId12">
+                <a:hlinkClick r:id="rId14">
                   <a:extLst>
                     <a:ext uri="{A12FA001-AC4F-418D-AE19-62706E023703}">
                       <ahyp:hlinkClr xmlns:ahyp="http://schemas.microsoft.com/office/drawing/2018/hyperlinkcolor" val="tx"/>
@@ -4959,7 +4987,7 @@
             </a:pPr>
             <a:r>
               <a:rPr lang="en-US" sz="1400" dirty="0">
-                <a:hlinkClick r:id="rId13">
+                <a:hlinkClick r:id="rId15">
                   <a:extLst>
                     <a:ext uri="{A12FA001-AC4F-418D-AE19-62706E023703}">
                       <ahyp:hlinkClr xmlns:ahyp="http://schemas.microsoft.com/office/drawing/2018/hyperlinkcolor" val="tx"/>
@@ -5001,7 +5029,7 @@
           <p:nvPr/>
         </p:nvPicPr>
         <p:blipFill>
-          <a:blip r:embed="rId14">
+          <a:blip r:embed="rId16">
             <a:extLst>
               <a:ext uri="{28A0092B-C50C-407E-A947-70E740481C1C}">
                 <a14:useLocalDpi xmlns:a14="http://schemas.microsoft.com/office/drawing/2010/main" val="0"/>
@@ -5048,7 +5076,7 @@
           <p:nvPr/>
         </p:nvPicPr>
         <p:blipFill>
-          <a:blip r:embed="rId15">
+          <a:blip r:embed="rId17">
             <a:extLst>
               <a:ext uri="{28A0092B-C50C-407E-A947-70E740481C1C}">
                 <a14:useLocalDpi xmlns:a14="http://schemas.microsoft.com/office/drawing/2010/main" val="0"/>
@@ -5095,7 +5123,7 @@
           <p:nvPr/>
         </p:nvPicPr>
         <p:blipFill>
-          <a:blip r:embed="rId16">
+          <a:blip r:embed="rId18">
             <a:extLst>
               <a:ext uri="{28A0092B-C50C-407E-A947-70E740481C1C}">
                 <a14:useLocalDpi xmlns:a14="http://schemas.microsoft.com/office/drawing/2010/main" val="0"/>
@@ -5162,7 +5190,7 @@
           <p:nvPr/>
         </p:nvPicPr>
         <p:blipFill>
-          <a:blip r:embed="rId17">
+          <a:blip r:embed="rId19">
             <a:extLst>
               <a:ext uri="{28A0092B-C50C-407E-A947-70E740481C1C}">
                 <a14:useLocalDpi xmlns:a14="http://schemas.microsoft.com/office/drawing/2010/main" val="0"/>
@@ -5503,12 +5531,14 @@
 </file>
 
 <file path=customXml/item1.xml><?xml version="1.0" encoding="utf-8"?>
-<?mso-contentType ?>
-<FormTemplates xmlns="http://schemas.microsoft.com/sharepoint/v3/contenttype/forms">
-  <Display>DocumentLibraryForm</Display>
-  <Edit>DocumentLibraryForm</Edit>
-  <New>DocumentLibraryForm</New>
-</FormTemplates>
+<p:properties xmlns:p="http://schemas.microsoft.com/office/2006/metadata/properties" xmlns:xsi="http://www.w3.org/2001/XMLSchema-instance" xmlns:pc="http://schemas.microsoft.com/office/infopath/2007/PartnerControls">
+  <documentManagement>
+    <TaxCatchAll xmlns="852100cf-56dc-44e3-b756-1e43dd9ef70f" xsi:nil="true"/>
+    <lcf76f155ced4ddcb4097134ff3c332f xmlns="52ab6079-090e-4c73-a352-36deb025419f">
+      <Terms xmlns="http://schemas.microsoft.com/office/infopath/2007/PartnerControls"/>
+    </lcf76f155ced4ddcb4097134ff3c332f>
+  </documentManagement>
+</p:properties>
 </file>
 
 <file path=customXml/item2.xml><?xml version="1.0" encoding="utf-8"?>
@@ -5767,20 +5797,29 @@
 </file>
 
 <file path=customXml/item3.xml><?xml version="1.0" encoding="utf-8"?>
-<p:properties xmlns:p="http://schemas.microsoft.com/office/2006/metadata/properties" xmlns:xsi="http://www.w3.org/2001/XMLSchema-instance" xmlns:pc="http://schemas.microsoft.com/office/infopath/2007/PartnerControls">
-  <documentManagement>
-    <TaxCatchAll xmlns="852100cf-56dc-44e3-b756-1e43dd9ef70f" xsi:nil="true"/>
-    <lcf76f155ced4ddcb4097134ff3c332f xmlns="52ab6079-090e-4c73-a352-36deb025419f">
-      <Terms xmlns="http://schemas.microsoft.com/office/infopath/2007/PartnerControls"/>
-    </lcf76f155ced4ddcb4097134ff3c332f>
-  </documentManagement>
-</p:properties>
+<?mso-contentType ?>
+<FormTemplates xmlns="http://schemas.microsoft.com/sharepoint/v3/contenttype/forms">
+  <Display>DocumentLibraryForm</Display>
+  <Edit>DocumentLibraryForm</Edit>
+  <New>DocumentLibraryForm</New>
+</FormTemplates>
 </file>
 
 <file path=customXml/itemProps1.xml><?xml version="1.0" encoding="utf-8"?>
-<ds:datastoreItem xmlns:ds="http://schemas.openxmlformats.org/officeDocument/2006/customXml" ds:itemID="{4E355A57-D0B9-4AB9-8DF9-C306DBAAB3C0}">
+<ds:datastoreItem xmlns:ds="http://schemas.openxmlformats.org/officeDocument/2006/customXml" ds:itemID="{DF56DB90-F373-4EB0-AF96-436E6A2DE190}">
   <ds:schemaRefs>
-    <ds:schemaRef ds:uri="http://schemas.microsoft.com/sharepoint/v3/contenttype/forms"/>
+    <ds:schemaRef ds:uri="http://purl.org/dc/dcmitype/"/>
+    <ds:schemaRef ds:uri="http://schemas.microsoft.com/office/2006/metadata/properties"/>
+    <ds:schemaRef ds:uri="http://schemas.microsoft.com/office/2006/documentManagement/types"/>
+    <ds:schemaRef ds:uri="http://www.w3.org/XML/1998/namespace"/>
+    <ds:schemaRef ds:uri="http://purl.org/dc/terms/"/>
+    <ds:schemaRef ds:uri="http://purl.org/dc/elements/1.1/"/>
+    <ds:schemaRef ds:uri="http://schemas.microsoft.com/office/infopath/2007/PartnerControls"/>
+    <ds:schemaRef ds:uri="http://schemas.openxmlformats.org/package/2006/metadata/core-properties"/>
+    <ds:schemaRef ds:uri="6afe98bc-8c14-4102-be79-c2fbba98e6b3"/>
+    <ds:schemaRef ds:uri="c9506d0f-8bf9-49cd-971e-b4a3b7abcf2c"/>
+    <ds:schemaRef ds:uri="852100cf-56dc-44e3-b756-1e43dd9ef70f"/>
+    <ds:schemaRef ds:uri="52ab6079-090e-4c73-a352-36deb025419f"/>
   </ds:schemaRefs>
 </ds:datastoreItem>
 </file>
@@ -5805,20 +5844,9 @@
 </file>
 
 <file path=customXml/itemProps3.xml><?xml version="1.0" encoding="utf-8"?>
-<ds:datastoreItem xmlns:ds="http://schemas.openxmlformats.org/officeDocument/2006/customXml" ds:itemID="{DF56DB90-F373-4EB0-AF96-436E6A2DE190}">
+<ds:datastoreItem xmlns:ds="http://schemas.openxmlformats.org/officeDocument/2006/customXml" ds:itemID="{4E355A57-D0B9-4AB9-8DF9-C306DBAAB3C0}">
   <ds:schemaRefs>
-    <ds:schemaRef ds:uri="http://purl.org/dc/dcmitype/"/>
-    <ds:schemaRef ds:uri="http://schemas.microsoft.com/office/2006/metadata/properties"/>
-    <ds:schemaRef ds:uri="http://schemas.microsoft.com/office/2006/documentManagement/types"/>
-    <ds:schemaRef ds:uri="http://www.w3.org/XML/1998/namespace"/>
-    <ds:schemaRef ds:uri="http://purl.org/dc/terms/"/>
-    <ds:schemaRef ds:uri="http://purl.org/dc/elements/1.1/"/>
-    <ds:schemaRef ds:uri="http://schemas.microsoft.com/office/infopath/2007/PartnerControls"/>
-    <ds:schemaRef ds:uri="http://schemas.openxmlformats.org/package/2006/metadata/core-properties"/>
-    <ds:schemaRef ds:uri="6afe98bc-8c14-4102-be79-c2fbba98e6b3"/>
-    <ds:schemaRef ds:uri="c9506d0f-8bf9-49cd-971e-b4a3b7abcf2c"/>
-    <ds:schemaRef ds:uri="852100cf-56dc-44e3-b756-1e43dd9ef70f"/>
-    <ds:schemaRef ds:uri="52ab6079-090e-4c73-a352-36deb025419f"/>
+    <ds:schemaRef ds:uri="http://schemas.microsoft.com/sharepoint/v3/contenttype/forms"/>
   </ds:schemaRefs>
 </ds:datastoreItem>
 </file>